--- a/css/2017_style/img/演示文稿2.pptx
+++ b/css/2017_style/img/演示文稿2.pptx
@@ -270,7 +270,7 @@
           <a:p>
             <a:fld id="{FAE31C42-37CC-E44F-A55A-D92A4F9A79AA}" type="datetimeFigureOut">
               <a:rPr kumimoji="1" lang="zh-CN" altLang="en-US" smtClean="0"/>
-              <a:t>2022/10/30</a:t>
+              <a:t>2022/10/31</a:t>
             </a:fld>
             <a:endParaRPr kumimoji="1" lang="zh-CN" altLang="en-US"/>
           </a:p>
@@ -468,7 +468,7 @@
           <a:p>
             <a:fld id="{FAE31C42-37CC-E44F-A55A-D92A4F9A79AA}" type="datetimeFigureOut">
               <a:rPr kumimoji="1" lang="zh-CN" altLang="en-US" smtClean="0"/>
-              <a:t>2022/10/30</a:t>
+              <a:t>2022/10/31</a:t>
             </a:fld>
             <a:endParaRPr kumimoji="1" lang="zh-CN" altLang="en-US"/>
           </a:p>
@@ -676,7 +676,7 @@
           <a:p>
             <a:fld id="{FAE31C42-37CC-E44F-A55A-D92A4F9A79AA}" type="datetimeFigureOut">
               <a:rPr kumimoji="1" lang="zh-CN" altLang="en-US" smtClean="0"/>
-              <a:t>2022/10/30</a:t>
+              <a:t>2022/10/31</a:t>
             </a:fld>
             <a:endParaRPr kumimoji="1" lang="zh-CN" altLang="en-US"/>
           </a:p>
@@ -874,7 +874,7 @@
           <a:p>
             <a:fld id="{FAE31C42-37CC-E44F-A55A-D92A4F9A79AA}" type="datetimeFigureOut">
               <a:rPr kumimoji="1" lang="zh-CN" altLang="en-US" smtClean="0"/>
-              <a:t>2022/10/30</a:t>
+              <a:t>2022/10/31</a:t>
             </a:fld>
             <a:endParaRPr kumimoji="1" lang="zh-CN" altLang="en-US"/>
           </a:p>
@@ -1149,7 +1149,7 @@
           <a:p>
             <a:fld id="{FAE31C42-37CC-E44F-A55A-D92A4F9A79AA}" type="datetimeFigureOut">
               <a:rPr kumimoji="1" lang="zh-CN" altLang="en-US" smtClean="0"/>
-              <a:t>2022/10/30</a:t>
+              <a:t>2022/10/31</a:t>
             </a:fld>
             <a:endParaRPr kumimoji="1" lang="zh-CN" altLang="en-US"/>
           </a:p>
@@ -1414,7 +1414,7 @@
           <a:p>
             <a:fld id="{FAE31C42-37CC-E44F-A55A-D92A4F9A79AA}" type="datetimeFigureOut">
               <a:rPr kumimoji="1" lang="zh-CN" altLang="en-US" smtClean="0"/>
-              <a:t>2022/10/30</a:t>
+              <a:t>2022/10/31</a:t>
             </a:fld>
             <a:endParaRPr kumimoji="1" lang="zh-CN" altLang="en-US"/>
           </a:p>
@@ -1826,7 +1826,7 @@
           <a:p>
             <a:fld id="{FAE31C42-37CC-E44F-A55A-D92A4F9A79AA}" type="datetimeFigureOut">
               <a:rPr kumimoji="1" lang="zh-CN" altLang="en-US" smtClean="0"/>
-              <a:t>2022/10/30</a:t>
+              <a:t>2022/10/31</a:t>
             </a:fld>
             <a:endParaRPr kumimoji="1" lang="zh-CN" altLang="en-US"/>
           </a:p>
@@ -1967,7 +1967,7 @@
           <a:p>
             <a:fld id="{FAE31C42-37CC-E44F-A55A-D92A4F9A79AA}" type="datetimeFigureOut">
               <a:rPr kumimoji="1" lang="zh-CN" altLang="en-US" smtClean="0"/>
-              <a:t>2022/10/30</a:t>
+              <a:t>2022/10/31</a:t>
             </a:fld>
             <a:endParaRPr kumimoji="1" lang="zh-CN" altLang="en-US"/>
           </a:p>
@@ -2080,7 +2080,7 @@
           <a:p>
             <a:fld id="{FAE31C42-37CC-E44F-A55A-D92A4F9A79AA}" type="datetimeFigureOut">
               <a:rPr kumimoji="1" lang="zh-CN" altLang="en-US" smtClean="0"/>
-              <a:t>2022/10/30</a:t>
+              <a:t>2022/10/31</a:t>
             </a:fld>
             <a:endParaRPr kumimoji="1" lang="zh-CN" altLang="en-US"/>
           </a:p>
@@ -2391,7 +2391,7 @@
           <a:p>
             <a:fld id="{FAE31C42-37CC-E44F-A55A-D92A4F9A79AA}" type="datetimeFigureOut">
               <a:rPr kumimoji="1" lang="zh-CN" altLang="en-US" smtClean="0"/>
-              <a:t>2022/10/30</a:t>
+              <a:t>2022/10/31</a:t>
             </a:fld>
             <a:endParaRPr kumimoji="1" lang="zh-CN" altLang="en-US"/>
           </a:p>
@@ -2679,7 +2679,7 @@
           <a:p>
             <a:fld id="{FAE31C42-37CC-E44F-A55A-D92A4F9A79AA}" type="datetimeFigureOut">
               <a:rPr kumimoji="1" lang="zh-CN" altLang="en-US" smtClean="0"/>
-              <a:t>2022/10/30</a:t>
+              <a:t>2022/10/31</a:t>
             </a:fld>
             <a:endParaRPr kumimoji="1" lang="zh-CN" altLang="en-US"/>
           </a:p>
@@ -2920,7 +2920,7 @@
           <a:p>
             <a:fld id="{FAE31C42-37CC-E44F-A55A-D92A4F9A79AA}" type="datetimeFigureOut">
               <a:rPr kumimoji="1" lang="zh-CN" altLang="en-US" smtClean="0"/>
-              <a:t>2022/10/30</a:t>
+              <a:t>2022/10/31</a:t>
             </a:fld>
             <a:endParaRPr kumimoji="1" lang="zh-CN" altLang="en-US"/>
           </a:p>
@@ -3385,9 +3385,9 @@
         <p:grpSpPr>
           <a:xfrm>
             <a:off x="669090" y="3957612"/>
-            <a:ext cx="6601366" cy="1435100"/>
+            <a:ext cx="4824930" cy="1435100"/>
             <a:chOff x="669090" y="3957612"/>
-            <a:chExt cx="6601366" cy="1435100"/>
+            <a:chExt cx="4824930" cy="1435100"/>
           </a:xfrm>
         </p:grpSpPr>
         <p:sp>
@@ -3405,7 +3405,7 @@
           <p:spPr>
             <a:xfrm>
               <a:off x="3749490" y="4380873"/>
-              <a:ext cx="3520966" cy="525517"/>
+              <a:ext cx="1744530" cy="525517"/>
             </a:xfrm>
             <a:prstGeom prst="rect">
               <a:avLst/>
@@ -3446,7 +3446,7 @@
                   <a:latin typeface="Times New Roman" panose="02020603050405020304" pitchFamily="18" charset="0"/>
                   <a:cs typeface="Times New Roman" panose="02020603050405020304" pitchFamily="18" charset="0"/>
                 </a:rPr>
-                <a:t>LSUAW</a:t>
+                <a:t>AW</a:t>
               </a:r>
               <a:r>
                 <a:rPr kumimoji="1" lang="en-US" altLang="zh-CN" sz="6600" baseline="30000" dirty="0">
@@ -3456,11 +3456,11 @@
                   <a:latin typeface="Times New Roman" panose="02020603050405020304" pitchFamily="18" charset="0"/>
                   <a:cs typeface="Times New Roman" panose="02020603050405020304" pitchFamily="18" charset="0"/>
                 </a:rPr>
-                <a:t>22</a:t>
+                <a:t>2</a:t>
               </a:r>
-              <a:endParaRPr kumimoji="1" lang="zh-CN" altLang="en-US" sz="6000" baseline="30000" dirty="0">
+              <a:endParaRPr kumimoji="1" lang="zh-CN" altLang="en-US" sz="6000" dirty="0">
                 <a:solidFill>
-                  <a:srgbClr val="C00000"/>
+                  <a:schemeClr val="tx2"/>
                 </a:solidFill>
                 <a:latin typeface="Times New Roman" panose="02020603050405020304" pitchFamily="18" charset="0"/>
                 <a:cs typeface="Times New Roman" panose="02020603050405020304" pitchFamily="18" charset="0"/>
